--- a/documents/IntroTheory.pptx
+++ b/documents/IntroTheory.pptx
@@ -4214,7 +4214,18 @@
             </a:r>
             <a:r>
               <a:rPr lang="de-DE" dirty="0"/>
-              <a:t> Problems</a:t>
+              <a:t> Problems </a:t>
+            </a:r>
+            <a:br>
+              <a:rPr lang="de-DE" dirty="0"/>
+            </a:br>
+            <a:r>
+              <a:rPr lang="de-DE" dirty="0" err="1"/>
+              <a:t>Used</a:t>
+            </a:r>
+            <a:r>
+              <a:rPr lang="de-DE" dirty="0"/>
+              <a:t> in Development</a:t>
             </a:r>
             <a:endParaRPr lang="en-DE" dirty="0"/>
           </a:p>
@@ -4332,7 +4343,7 @@
           <a:p>
             <a:r>
               <a:rPr lang="de-DE" dirty="0"/>
-              <a:t>Theory </a:t>
+              <a:t>Main Theory </a:t>
             </a:r>
             <a:r>
               <a:rPr lang="de-DE" dirty="0" err="1"/>
@@ -4405,8 +4416,8 @@
         </p:nvSpPr>
         <p:spPr>
           <a:xfrm>
-            <a:off x="976745" y="2182091"/>
-            <a:ext cx="4242443" cy="369332"/>
+            <a:off x="966354" y="3117273"/>
+            <a:ext cx="8755474" cy="1384995"/>
           </a:xfrm>
           <a:prstGeom prst="rect">
             <a:avLst/>
@@ -4420,8 +4431,53 @@
           <a:lstStyle/>
           <a:p>
             <a:r>
-              <a:rPr lang="de-DE" dirty="0"/>
-              <a:t>Read in DBDA: 6.1, 6.2, 6.3, 7.4.1, 7.4.2, 8.4</a:t>
+              <a:rPr lang="de-DE" sz="2800" dirty="0" err="1"/>
+              <a:t>Chapters</a:t>
+            </a:r>
+            <a:r>
+              <a:rPr lang="de-DE" sz="2800" dirty="0"/>
+              <a:t> in </a:t>
+            </a:r>
+            <a:r>
+              <a:rPr lang="de-DE" sz="2800" dirty="0" err="1"/>
+              <a:t>the</a:t>
+            </a:r>
+            <a:r>
+              <a:rPr lang="de-DE" sz="2800" dirty="0"/>
+              <a:t> </a:t>
+            </a:r>
+            <a:r>
+              <a:rPr lang="de-DE" sz="2800" dirty="0" err="1"/>
+              <a:t>book</a:t>
+            </a:r>
+            <a:r>
+              <a:rPr lang="de-DE" sz="2800" dirty="0"/>
+              <a:t> </a:t>
+            </a:r>
+            <a:r>
+              <a:rPr lang="de-DE" sz="2800" dirty="0" err="1"/>
+              <a:t>Doing</a:t>
+            </a:r>
+            <a:r>
+              <a:rPr lang="de-DE" sz="2800" dirty="0"/>
+              <a:t> </a:t>
+            </a:r>
+            <a:r>
+              <a:rPr lang="de-DE" sz="2800" dirty="0" err="1"/>
+              <a:t>Bayesian</a:t>
+            </a:r>
+            <a:r>
+              <a:rPr lang="de-DE" sz="2800" dirty="0"/>
+              <a:t> Data Analysis (DBDA): </a:t>
+            </a:r>
+          </a:p>
+          <a:p>
+            <a:endParaRPr lang="de-DE" sz="2800" dirty="0"/>
+          </a:p>
+          <a:p>
+            <a:r>
+              <a:rPr lang="de-DE" sz="2800" dirty="0"/>
+              <a:t>6.1, 6.2, 6.3, 7.4.1, 7.4.2, 8.4</a:t>
             </a:r>
           </a:p>
         </p:txBody>
@@ -4518,12 +4574,72 @@
           </a:p>
         </p:txBody>
       </p:sp>
+      <p:sp>
+        <p:nvSpPr>
+          <p:cNvPr id="3" name="Textfeld 2">
+            <a:extLst>
+              <a:ext uri="{FF2B5EF4-FFF2-40B4-BE49-F238E27FC236}">
+                <a16:creationId xmlns:a16="http://schemas.microsoft.com/office/drawing/2014/main" id="{D9C8081B-801C-84A8-6051-D00EA8220207}"/>
+              </a:ext>
+            </a:extLst>
+          </p:cNvPr>
+          <p:cNvSpPr txBox="1"/>
+          <p:nvPr/>
+        </p:nvSpPr>
+        <p:spPr>
+          <a:xfrm>
+            <a:off x="9518072" y="5305492"/>
+            <a:ext cx="1895071" cy="246221"/>
+          </a:xfrm>
+          <a:prstGeom prst="rect">
+            <a:avLst/>
+          </a:prstGeom>
+          <a:noFill/>
+        </p:spPr>
+        <p:txBody>
+          <a:bodyPr wrap="none" rtlCol="0">
+            <a:spAutoFit/>
+          </a:bodyPr>
+          <a:lstStyle/>
+          <a:p>
+            <a:r>
+              <a:rPr lang="de-DE" sz="1000" dirty="0"/>
+              <a:t>All </a:t>
+            </a:r>
+            <a:r>
+              <a:rPr lang="de-DE" sz="1000" dirty="0" err="1"/>
+              <a:t>of</a:t>
+            </a:r>
+            <a:r>
+              <a:rPr lang="de-DE" sz="1000" dirty="0"/>
+              <a:t> </a:t>
+            </a:r>
+            <a:r>
+              <a:rPr lang="de-DE" sz="1000" dirty="0" err="1"/>
+              <a:t>Statistics</a:t>
+            </a:r>
+            <a:r>
+              <a:rPr lang="de-DE" sz="1000" dirty="0"/>
+              <a:t>, </a:t>
+            </a:r>
+            <a:r>
+              <a:rPr lang="de-DE" sz="1000" dirty="0" err="1"/>
+              <a:t>Wasseman</a:t>
+            </a:r>
+            <a:r>
+              <a:rPr lang="de-DE" sz="1000" dirty="0"/>
+              <a:t>, 2004</a:t>
+            </a:r>
+            <a:endParaRPr lang="en-DE" sz="1000" dirty="0"/>
+          </a:p>
+        </p:txBody>
+      </p:sp>
       <p:pic>
         <p:nvPicPr>
-          <p:cNvPr id="6" name="Grafik 5">
-            <a:extLst>
-              <a:ext uri="{FF2B5EF4-FFF2-40B4-BE49-F238E27FC236}">
-                <a16:creationId xmlns:a16="http://schemas.microsoft.com/office/drawing/2014/main" id="{921D03C7-72F6-CF1E-1273-0EF3C568B8FA}"/>
+          <p:cNvPr id="7" name="Grafik 6">
+            <a:extLst>
+              <a:ext uri="{FF2B5EF4-FFF2-40B4-BE49-F238E27FC236}">
+                <a16:creationId xmlns:a16="http://schemas.microsoft.com/office/drawing/2014/main" id="{F3BD1003-10D0-2B40-EFB1-7CBE3DD6C88E}"/>
               </a:ext>
             </a:extLst>
           </p:cNvPr>
@@ -4540,74 +4656,14 @@
         </p:blipFill>
         <p:spPr>
           <a:xfrm>
-            <a:off x="3091543" y="2077810"/>
-            <a:ext cx="6381688" cy="3473903"/>
+            <a:off x="2438399" y="1995055"/>
+            <a:ext cx="6852901" cy="3657600"/>
           </a:xfrm>
           <a:prstGeom prst="rect">
             <a:avLst/>
           </a:prstGeom>
         </p:spPr>
       </p:pic>
-      <p:sp>
-        <p:nvSpPr>
-          <p:cNvPr id="3" name="Textfeld 2">
-            <a:extLst>
-              <a:ext uri="{FF2B5EF4-FFF2-40B4-BE49-F238E27FC236}">
-                <a16:creationId xmlns:a16="http://schemas.microsoft.com/office/drawing/2014/main" id="{D9C8081B-801C-84A8-6051-D00EA8220207}"/>
-              </a:ext>
-            </a:extLst>
-          </p:cNvPr>
-          <p:cNvSpPr txBox="1"/>
-          <p:nvPr/>
-        </p:nvSpPr>
-        <p:spPr>
-          <a:xfrm>
-            <a:off x="9518072" y="5305492"/>
-            <a:ext cx="1895071" cy="246221"/>
-          </a:xfrm>
-          <a:prstGeom prst="rect">
-            <a:avLst/>
-          </a:prstGeom>
-          <a:noFill/>
-        </p:spPr>
-        <p:txBody>
-          <a:bodyPr wrap="none" rtlCol="0">
-            <a:spAutoFit/>
-          </a:bodyPr>
-          <a:lstStyle/>
-          <a:p>
-            <a:r>
-              <a:rPr lang="de-DE" sz="1000" dirty="0"/>
-              <a:t>All </a:t>
-            </a:r>
-            <a:r>
-              <a:rPr lang="de-DE" sz="1000" dirty="0" err="1"/>
-              <a:t>of</a:t>
-            </a:r>
-            <a:r>
-              <a:rPr lang="de-DE" sz="1000" dirty="0"/>
-              <a:t> </a:t>
-            </a:r>
-            <a:r>
-              <a:rPr lang="de-DE" sz="1000" dirty="0" err="1"/>
-              <a:t>Statistics</a:t>
-            </a:r>
-            <a:r>
-              <a:rPr lang="de-DE" sz="1000" dirty="0"/>
-              <a:t>, </a:t>
-            </a:r>
-            <a:r>
-              <a:rPr lang="de-DE" sz="1000" dirty="0" err="1"/>
-              <a:t>Wasseman</a:t>
-            </a:r>
-            <a:r>
-              <a:rPr lang="de-DE" sz="1000" dirty="0"/>
-              <a:t>, 2004</a:t>
-            </a:r>
-            <a:endParaRPr lang="en-DE" sz="1000" dirty="0"/>
-          </a:p>
-        </p:txBody>
-      </p:sp>
     </p:spTree>
     <p:extLst>
       <p:ext uri="{BB962C8B-B14F-4D97-AF65-F5344CB8AC3E}">
@@ -4700,12 +4756,72 @@
           </a:p>
         </p:txBody>
       </p:sp>
+      <p:sp>
+        <p:nvSpPr>
+          <p:cNvPr id="3" name="Textfeld 2">
+            <a:extLst>
+              <a:ext uri="{FF2B5EF4-FFF2-40B4-BE49-F238E27FC236}">
+                <a16:creationId xmlns:a16="http://schemas.microsoft.com/office/drawing/2014/main" id="{415C6C6F-C8A1-92B3-8FA5-84D5A1CC0296}"/>
+              </a:ext>
+            </a:extLst>
+          </p:cNvPr>
+          <p:cNvSpPr txBox="1"/>
+          <p:nvPr/>
+        </p:nvSpPr>
+        <p:spPr>
+          <a:xfrm>
+            <a:off x="8813687" y="5643086"/>
+            <a:ext cx="1895071" cy="246221"/>
+          </a:xfrm>
+          <a:prstGeom prst="rect">
+            <a:avLst/>
+          </a:prstGeom>
+          <a:noFill/>
+        </p:spPr>
+        <p:txBody>
+          <a:bodyPr wrap="none" rtlCol="0">
+            <a:spAutoFit/>
+          </a:bodyPr>
+          <a:lstStyle/>
+          <a:p>
+            <a:r>
+              <a:rPr lang="de-DE" sz="1000" dirty="0"/>
+              <a:t>All </a:t>
+            </a:r>
+            <a:r>
+              <a:rPr lang="de-DE" sz="1000" dirty="0" err="1"/>
+              <a:t>of</a:t>
+            </a:r>
+            <a:r>
+              <a:rPr lang="de-DE" sz="1000" dirty="0"/>
+              <a:t> </a:t>
+            </a:r>
+            <a:r>
+              <a:rPr lang="de-DE" sz="1000" dirty="0" err="1"/>
+              <a:t>Statistics</a:t>
+            </a:r>
+            <a:r>
+              <a:rPr lang="de-DE" sz="1000" dirty="0"/>
+              <a:t>, </a:t>
+            </a:r>
+            <a:r>
+              <a:rPr lang="de-DE" sz="1000" dirty="0" err="1"/>
+              <a:t>Wasseman</a:t>
+            </a:r>
+            <a:r>
+              <a:rPr lang="de-DE" sz="1000" dirty="0"/>
+              <a:t>, 2004</a:t>
+            </a:r>
+            <a:endParaRPr lang="en-DE" sz="1000" dirty="0"/>
+          </a:p>
+        </p:txBody>
+      </p:sp>
       <p:pic>
         <p:nvPicPr>
-          <p:cNvPr id="6" name="Grafik 5">
-            <a:extLst>
-              <a:ext uri="{FF2B5EF4-FFF2-40B4-BE49-F238E27FC236}">
-                <a16:creationId xmlns:a16="http://schemas.microsoft.com/office/drawing/2014/main" id="{CD81C31A-52DB-E113-9516-ABA6F3773FE4}"/>
+          <p:cNvPr id="9" name="Grafik 8">
+            <a:extLst>
+              <a:ext uri="{FF2B5EF4-FFF2-40B4-BE49-F238E27FC236}">
+                <a16:creationId xmlns:a16="http://schemas.microsoft.com/office/drawing/2014/main" id="{B0C068F0-1118-7C83-6F06-0507776EF27F}"/>
               </a:ext>
             </a:extLst>
           </p:cNvPr>
@@ -4722,74 +4838,14 @@
         </p:blipFill>
         <p:spPr>
           <a:xfrm>
-            <a:off x="3378313" y="2040657"/>
-            <a:ext cx="5435374" cy="3848650"/>
+            <a:off x="2296392" y="2150919"/>
+            <a:ext cx="8116318" cy="3033474"/>
           </a:xfrm>
           <a:prstGeom prst="rect">
             <a:avLst/>
           </a:prstGeom>
         </p:spPr>
       </p:pic>
-      <p:sp>
-        <p:nvSpPr>
-          <p:cNvPr id="3" name="Textfeld 2">
-            <a:extLst>
-              <a:ext uri="{FF2B5EF4-FFF2-40B4-BE49-F238E27FC236}">
-                <a16:creationId xmlns:a16="http://schemas.microsoft.com/office/drawing/2014/main" id="{415C6C6F-C8A1-92B3-8FA5-84D5A1CC0296}"/>
-              </a:ext>
-            </a:extLst>
-          </p:cNvPr>
-          <p:cNvSpPr txBox="1"/>
-          <p:nvPr/>
-        </p:nvSpPr>
-        <p:spPr>
-          <a:xfrm>
-            <a:off x="8813687" y="5643086"/>
-            <a:ext cx="1895071" cy="246221"/>
-          </a:xfrm>
-          <a:prstGeom prst="rect">
-            <a:avLst/>
-          </a:prstGeom>
-          <a:noFill/>
-        </p:spPr>
-        <p:txBody>
-          <a:bodyPr wrap="none" rtlCol="0">
-            <a:spAutoFit/>
-          </a:bodyPr>
-          <a:lstStyle/>
-          <a:p>
-            <a:r>
-              <a:rPr lang="de-DE" sz="1000" dirty="0"/>
-              <a:t>All </a:t>
-            </a:r>
-            <a:r>
-              <a:rPr lang="de-DE" sz="1000" dirty="0" err="1"/>
-              <a:t>of</a:t>
-            </a:r>
-            <a:r>
-              <a:rPr lang="de-DE" sz="1000" dirty="0"/>
-              <a:t> </a:t>
-            </a:r>
-            <a:r>
-              <a:rPr lang="de-DE" sz="1000" dirty="0" err="1"/>
-              <a:t>Statistics</a:t>
-            </a:r>
-            <a:r>
-              <a:rPr lang="de-DE" sz="1000" dirty="0"/>
-              <a:t>, </a:t>
-            </a:r>
-            <a:r>
-              <a:rPr lang="de-DE" sz="1000" dirty="0" err="1"/>
-              <a:t>Wasseman</a:t>
-            </a:r>
-            <a:r>
-              <a:rPr lang="de-DE" sz="1000" dirty="0"/>
-              <a:t>, 2004</a:t>
-            </a:r>
-            <a:endParaRPr lang="en-DE" sz="1000" dirty="0"/>
-          </a:p>
-        </p:txBody>
-      </p:sp>
     </p:spTree>
     <p:extLst>
       <p:ext uri="{BB962C8B-B14F-4D97-AF65-F5344CB8AC3E}">
@@ -4882,12 +4938,72 @@
           </a:p>
         </p:txBody>
       </p:sp>
+      <p:sp>
+        <p:nvSpPr>
+          <p:cNvPr id="3" name="Textfeld 2">
+            <a:extLst>
+              <a:ext uri="{FF2B5EF4-FFF2-40B4-BE49-F238E27FC236}">
+                <a16:creationId xmlns:a16="http://schemas.microsoft.com/office/drawing/2014/main" id="{1756CC39-DCD1-4F74-50E0-DD1DB65E37D1}"/>
+              </a:ext>
+            </a:extLst>
+          </p:cNvPr>
+          <p:cNvSpPr txBox="1"/>
+          <p:nvPr/>
+        </p:nvSpPr>
+        <p:spPr>
+          <a:xfrm>
+            <a:off x="9518072" y="5305492"/>
+            <a:ext cx="1895071" cy="246221"/>
+          </a:xfrm>
+          <a:prstGeom prst="rect">
+            <a:avLst/>
+          </a:prstGeom>
+          <a:noFill/>
+        </p:spPr>
+        <p:txBody>
+          <a:bodyPr wrap="none" rtlCol="0">
+            <a:spAutoFit/>
+          </a:bodyPr>
+          <a:lstStyle/>
+          <a:p>
+            <a:r>
+              <a:rPr lang="de-DE" sz="1000" dirty="0"/>
+              <a:t>All </a:t>
+            </a:r>
+            <a:r>
+              <a:rPr lang="de-DE" sz="1000" dirty="0" err="1"/>
+              <a:t>of</a:t>
+            </a:r>
+            <a:r>
+              <a:rPr lang="de-DE" sz="1000" dirty="0"/>
+              <a:t> </a:t>
+            </a:r>
+            <a:r>
+              <a:rPr lang="de-DE" sz="1000" dirty="0" err="1"/>
+              <a:t>Statistics</a:t>
+            </a:r>
+            <a:r>
+              <a:rPr lang="de-DE" sz="1000" dirty="0"/>
+              <a:t>, </a:t>
+            </a:r>
+            <a:r>
+              <a:rPr lang="de-DE" sz="1000" dirty="0" err="1"/>
+              <a:t>Wasseman</a:t>
+            </a:r>
+            <a:r>
+              <a:rPr lang="de-DE" sz="1000" dirty="0"/>
+              <a:t>, 2004</a:t>
+            </a:r>
+            <a:endParaRPr lang="en-DE" sz="1000" dirty="0"/>
+          </a:p>
+        </p:txBody>
+      </p:sp>
       <p:pic>
         <p:nvPicPr>
-          <p:cNvPr id="6" name="Grafik 5">
-            <a:extLst>
-              <a:ext uri="{FF2B5EF4-FFF2-40B4-BE49-F238E27FC236}">
-                <a16:creationId xmlns:a16="http://schemas.microsoft.com/office/drawing/2014/main" id="{A3896CB2-3D2B-B7D1-81BF-116FDEBEAA37}"/>
+          <p:cNvPr id="7" name="Grafik 6">
+            <a:extLst>
+              <a:ext uri="{FF2B5EF4-FFF2-40B4-BE49-F238E27FC236}">
+                <a16:creationId xmlns:a16="http://schemas.microsoft.com/office/drawing/2014/main" id="{F7F73D89-8C61-E472-7935-8FD9AFD11C6E}"/>
               </a:ext>
             </a:extLst>
           </p:cNvPr>
@@ -4904,74 +5020,14 @@
         </p:blipFill>
         <p:spPr>
           <a:xfrm>
-            <a:off x="2342469" y="2151289"/>
-            <a:ext cx="7227555" cy="3454854"/>
+            <a:off x="1725757" y="2076743"/>
+            <a:ext cx="8041698" cy="3228749"/>
           </a:xfrm>
           <a:prstGeom prst="rect">
             <a:avLst/>
           </a:prstGeom>
         </p:spPr>
       </p:pic>
-      <p:sp>
-        <p:nvSpPr>
-          <p:cNvPr id="3" name="Textfeld 2">
-            <a:extLst>
-              <a:ext uri="{FF2B5EF4-FFF2-40B4-BE49-F238E27FC236}">
-                <a16:creationId xmlns:a16="http://schemas.microsoft.com/office/drawing/2014/main" id="{1756CC39-DCD1-4F74-50E0-DD1DB65E37D1}"/>
-              </a:ext>
-            </a:extLst>
-          </p:cNvPr>
-          <p:cNvSpPr txBox="1"/>
-          <p:nvPr/>
-        </p:nvSpPr>
-        <p:spPr>
-          <a:xfrm>
-            <a:off x="9518072" y="5305492"/>
-            <a:ext cx="1895071" cy="246221"/>
-          </a:xfrm>
-          <a:prstGeom prst="rect">
-            <a:avLst/>
-          </a:prstGeom>
-          <a:noFill/>
-        </p:spPr>
-        <p:txBody>
-          <a:bodyPr wrap="none" rtlCol="0">
-            <a:spAutoFit/>
-          </a:bodyPr>
-          <a:lstStyle/>
-          <a:p>
-            <a:r>
-              <a:rPr lang="de-DE" sz="1000" dirty="0"/>
-              <a:t>All </a:t>
-            </a:r>
-            <a:r>
-              <a:rPr lang="de-DE" sz="1000" dirty="0" err="1"/>
-              <a:t>of</a:t>
-            </a:r>
-            <a:r>
-              <a:rPr lang="de-DE" sz="1000" dirty="0"/>
-              <a:t> </a:t>
-            </a:r>
-            <a:r>
-              <a:rPr lang="de-DE" sz="1000" dirty="0" err="1"/>
-              <a:t>Statistics</a:t>
-            </a:r>
-            <a:r>
-              <a:rPr lang="de-DE" sz="1000" dirty="0"/>
-              <a:t>, </a:t>
-            </a:r>
-            <a:r>
-              <a:rPr lang="de-DE" sz="1000" dirty="0" err="1"/>
-              <a:t>Wasseman</a:t>
-            </a:r>
-            <a:r>
-              <a:rPr lang="de-DE" sz="1000" dirty="0"/>
-              <a:t>, 2004</a:t>
-            </a:r>
-            <a:endParaRPr lang="en-DE" sz="1000" dirty="0"/>
-          </a:p>
-        </p:txBody>
-      </p:sp>
     </p:spTree>
     <p:extLst>
       <p:ext uri="{BB962C8B-B14F-4D97-AF65-F5344CB8AC3E}">
@@ -5064,36 +5120,6 @@
           </a:p>
         </p:txBody>
       </p:sp>
-      <p:pic>
-        <p:nvPicPr>
-          <p:cNvPr id="6" name="Grafik 5">
-            <a:extLst>
-              <a:ext uri="{FF2B5EF4-FFF2-40B4-BE49-F238E27FC236}">
-                <a16:creationId xmlns:a16="http://schemas.microsoft.com/office/drawing/2014/main" id="{6BB3AFEB-D7D7-9786-9AAF-559127D56ECC}"/>
-              </a:ext>
-            </a:extLst>
-          </p:cNvPr>
-          <p:cNvPicPr>
-            <a:picLocks noChangeAspect="1"/>
-          </p:cNvPicPr>
-          <p:nvPr/>
-        </p:nvPicPr>
-        <p:blipFill>
-          <a:blip r:embed="rId2"/>
-          <a:stretch>
-            <a:fillRect/>
-          </a:stretch>
-        </p:blipFill>
-        <p:spPr>
-          <a:xfrm>
-            <a:off x="3002416" y="2205037"/>
-            <a:ext cx="6579131" cy="3270477"/>
-          </a:xfrm>
-          <a:prstGeom prst="rect">
-            <a:avLst/>
-          </a:prstGeom>
-        </p:spPr>
-      </p:pic>
       <p:sp>
         <p:nvSpPr>
           <p:cNvPr id="3" name="Rechteck 2">
@@ -5273,7 +5299,7 @@
           <p:nvPr/>
         </p:nvPicPr>
         <p:blipFill>
-          <a:blip r:embed="rId3"/>
+          <a:blip r:embed="rId2"/>
           <a:stretch>
             <a:fillRect/>
           </a:stretch>
@@ -5282,6 +5308,66 @@
           <a:xfrm rot="5400000">
             <a:off x="9924231" y="1194149"/>
             <a:ext cx="1146227" cy="2699180"/>
+          </a:xfrm>
+          <a:prstGeom prst="rect">
+            <a:avLst/>
+          </a:prstGeom>
+        </p:spPr>
+      </p:pic>
+      <p:pic>
+        <p:nvPicPr>
+          <p:cNvPr id="10" name="Grafik 9">
+            <a:extLst>
+              <a:ext uri="{FF2B5EF4-FFF2-40B4-BE49-F238E27FC236}">
+                <a16:creationId xmlns:a16="http://schemas.microsoft.com/office/drawing/2014/main" id="{A22BB2AA-AF6F-27A9-AEAA-A53848F257A2}"/>
+              </a:ext>
+            </a:extLst>
+          </p:cNvPr>
+          <p:cNvPicPr>
+            <a:picLocks noChangeAspect="1"/>
+          </p:cNvPicPr>
+          <p:nvPr/>
+        </p:nvPicPr>
+        <p:blipFill>
+          <a:blip r:embed="rId3"/>
+          <a:stretch>
+            <a:fillRect/>
+          </a:stretch>
+        </p:blipFill>
+        <p:spPr>
+          <a:xfrm>
+            <a:off x="793173" y="2027450"/>
+            <a:ext cx="6851073" cy="766691"/>
+          </a:xfrm>
+          <a:prstGeom prst="rect">
+            <a:avLst/>
+          </a:prstGeom>
+        </p:spPr>
+      </p:pic>
+      <p:pic>
+        <p:nvPicPr>
+          <p:cNvPr id="12" name="Grafik 11">
+            <a:extLst>
+              <a:ext uri="{FF2B5EF4-FFF2-40B4-BE49-F238E27FC236}">
+                <a16:creationId xmlns:a16="http://schemas.microsoft.com/office/drawing/2014/main" id="{FA6118B8-A67B-1002-AA2A-B9770C1DE41C}"/>
+              </a:ext>
+            </a:extLst>
+          </p:cNvPr>
+          <p:cNvPicPr>
+            <a:picLocks noChangeAspect="1"/>
+          </p:cNvPicPr>
+          <p:nvPr/>
+        </p:nvPicPr>
+        <p:blipFill>
+          <a:blip r:embed="rId4"/>
+          <a:stretch>
+            <a:fillRect/>
+          </a:stretch>
+        </p:blipFill>
+        <p:spPr>
+          <a:xfrm>
+            <a:off x="838200" y="2667122"/>
+            <a:ext cx="6774873" cy="3020049"/>
           </a:xfrm>
           <a:prstGeom prst="rect">
             <a:avLst/>
@@ -5380,12 +5466,72 @@
           </a:p>
         </p:txBody>
       </p:sp>
+      <p:sp>
+        <p:nvSpPr>
+          <p:cNvPr id="3" name="Textfeld 2">
+            <a:extLst>
+              <a:ext uri="{FF2B5EF4-FFF2-40B4-BE49-F238E27FC236}">
+                <a16:creationId xmlns:a16="http://schemas.microsoft.com/office/drawing/2014/main" id="{098386F4-EC79-4E5D-3F68-FA5F2478E0E6}"/>
+              </a:ext>
+            </a:extLst>
+          </p:cNvPr>
+          <p:cNvSpPr txBox="1"/>
+          <p:nvPr/>
+        </p:nvSpPr>
+        <p:spPr>
+          <a:xfrm>
+            <a:off x="8350023" y="5544483"/>
+            <a:ext cx="1895071" cy="246221"/>
+          </a:xfrm>
+          <a:prstGeom prst="rect">
+            <a:avLst/>
+          </a:prstGeom>
+          <a:noFill/>
+        </p:spPr>
+        <p:txBody>
+          <a:bodyPr wrap="none" rtlCol="0">
+            <a:spAutoFit/>
+          </a:bodyPr>
+          <a:lstStyle/>
+          <a:p>
+            <a:r>
+              <a:rPr lang="de-DE" sz="1000" dirty="0"/>
+              <a:t>All </a:t>
+            </a:r>
+            <a:r>
+              <a:rPr lang="de-DE" sz="1000" dirty="0" err="1"/>
+              <a:t>of</a:t>
+            </a:r>
+            <a:r>
+              <a:rPr lang="de-DE" sz="1000" dirty="0"/>
+              <a:t> </a:t>
+            </a:r>
+            <a:r>
+              <a:rPr lang="de-DE" sz="1000" dirty="0" err="1"/>
+              <a:t>Statistics</a:t>
+            </a:r>
+            <a:r>
+              <a:rPr lang="de-DE" sz="1000" dirty="0"/>
+              <a:t>, </a:t>
+            </a:r>
+            <a:r>
+              <a:rPr lang="de-DE" sz="1000" dirty="0" err="1"/>
+              <a:t>Wasseman</a:t>
+            </a:r>
+            <a:r>
+              <a:rPr lang="de-DE" sz="1000" dirty="0"/>
+              <a:t>, 2004</a:t>
+            </a:r>
+            <a:endParaRPr lang="en-DE" sz="1000" dirty="0"/>
+          </a:p>
+        </p:txBody>
+      </p:sp>
       <p:pic>
         <p:nvPicPr>
-          <p:cNvPr id="6" name="Grafik 5">
-            <a:extLst>
-              <a:ext uri="{FF2B5EF4-FFF2-40B4-BE49-F238E27FC236}">
-                <a16:creationId xmlns:a16="http://schemas.microsoft.com/office/drawing/2014/main" id="{DF6D1ECD-F521-346B-A4F6-8A24D2BD3A05}"/>
+          <p:cNvPr id="7" name="Grafik 6">
+            <a:extLst>
+              <a:ext uri="{FF2B5EF4-FFF2-40B4-BE49-F238E27FC236}">
+                <a16:creationId xmlns:a16="http://schemas.microsoft.com/office/drawing/2014/main" id="{DF670C23-254A-2F55-75AD-E41C67E1D945}"/>
               </a:ext>
             </a:extLst>
           </p:cNvPr>
@@ -5402,74 +5548,14 @@
         </p:blipFill>
         <p:spPr>
           <a:xfrm>
-            <a:off x="3716790" y="1922319"/>
-            <a:ext cx="4633233" cy="3981410"/>
+            <a:off x="2433478" y="1859566"/>
+            <a:ext cx="5719922" cy="4327906"/>
           </a:xfrm>
           <a:prstGeom prst="rect">
             <a:avLst/>
           </a:prstGeom>
         </p:spPr>
       </p:pic>
-      <p:sp>
-        <p:nvSpPr>
-          <p:cNvPr id="3" name="Textfeld 2">
-            <a:extLst>
-              <a:ext uri="{FF2B5EF4-FFF2-40B4-BE49-F238E27FC236}">
-                <a16:creationId xmlns:a16="http://schemas.microsoft.com/office/drawing/2014/main" id="{098386F4-EC79-4E5D-3F68-FA5F2478E0E6}"/>
-              </a:ext>
-            </a:extLst>
-          </p:cNvPr>
-          <p:cNvSpPr txBox="1"/>
-          <p:nvPr/>
-        </p:nvSpPr>
-        <p:spPr>
-          <a:xfrm>
-            <a:off x="8350023" y="5544483"/>
-            <a:ext cx="1895071" cy="246221"/>
-          </a:xfrm>
-          <a:prstGeom prst="rect">
-            <a:avLst/>
-          </a:prstGeom>
-          <a:noFill/>
-        </p:spPr>
-        <p:txBody>
-          <a:bodyPr wrap="none" rtlCol="0">
-            <a:spAutoFit/>
-          </a:bodyPr>
-          <a:lstStyle/>
-          <a:p>
-            <a:r>
-              <a:rPr lang="de-DE" sz="1000" dirty="0"/>
-              <a:t>All </a:t>
-            </a:r>
-            <a:r>
-              <a:rPr lang="de-DE" sz="1000" dirty="0" err="1"/>
-              <a:t>of</a:t>
-            </a:r>
-            <a:r>
-              <a:rPr lang="de-DE" sz="1000" dirty="0"/>
-              <a:t> </a:t>
-            </a:r>
-            <a:r>
-              <a:rPr lang="de-DE" sz="1000" dirty="0" err="1"/>
-              <a:t>Statistics</a:t>
-            </a:r>
-            <a:r>
-              <a:rPr lang="de-DE" sz="1000" dirty="0"/>
-              <a:t>, </a:t>
-            </a:r>
-            <a:r>
-              <a:rPr lang="de-DE" sz="1000" dirty="0" err="1"/>
-              <a:t>Wasseman</a:t>
-            </a:r>
-            <a:r>
-              <a:rPr lang="de-DE" sz="1000" dirty="0"/>
-              <a:t>, 2004</a:t>
-            </a:r>
-            <a:endParaRPr lang="en-DE" sz="1000" dirty="0"/>
-          </a:p>
-        </p:txBody>
-      </p:sp>
     </p:spTree>
     <p:extLst>
       <p:ext uri="{BB962C8B-B14F-4D97-AF65-F5344CB8AC3E}">
@@ -5562,12 +5648,188 @@
           </a:p>
         </p:txBody>
       </p:sp>
+      <p:sp>
+        <p:nvSpPr>
+          <p:cNvPr id="7" name="Textfeld 6">
+            <a:extLst>
+              <a:ext uri="{FF2B5EF4-FFF2-40B4-BE49-F238E27FC236}">
+                <a16:creationId xmlns:a16="http://schemas.microsoft.com/office/drawing/2014/main" id="{7D58B874-E407-B5CA-5F40-1EC12E16AE88}"/>
+              </a:ext>
+            </a:extLst>
+          </p:cNvPr>
+          <p:cNvSpPr txBox="1"/>
+          <p:nvPr/>
+        </p:nvSpPr>
+        <p:spPr>
+          <a:xfrm>
+            <a:off x="838200" y="5634038"/>
+            <a:ext cx="7088287" cy="369332"/>
+          </a:xfrm>
+          <a:prstGeom prst="rect">
+            <a:avLst/>
+          </a:prstGeom>
+          <a:noFill/>
+        </p:spPr>
+        <p:txBody>
+          <a:bodyPr wrap="none" rtlCol="0">
+            <a:spAutoFit/>
+          </a:bodyPr>
+          <a:lstStyle/>
+          <a:p>
+            <a:r>
+              <a:rPr lang="de-DE" dirty="0"/>
+              <a:t>Out </a:t>
+            </a:r>
+            <a:r>
+              <a:rPr lang="de-DE" dirty="0" err="1"/>
+              <a:t>of</a:t>
+            </a:r>
+            <a:r>
+              <a:rPr lang="de-DE" dirty="0"/>
+              <a:t> </a:t>
+            </a:r>
+            <a:r>
+              <a:rPr lang="de-DE" dirty="0" err="1"/>
+              <a:t>the</a:t>
+            </a:r>
+            <a:r>
+              <a:rPr lang="de-DE" dirty="0"/>
+              <a:t> </a:t>
+            </a:r>
+            <a:r>
+              <a:rPr lang="de-DE" dirty="0" err="1"/>
+              <a:t>posterior</a:t>
+            </a:r>
+            <a:r>
+              <a:rPr lang="de-DE" dirty="0"/>
+              <a:t>, </a:t>
+            </a:r>
+            <a:r>
+              <a:rPr lang="de-DE" dirty="0" err="1"/>
+              <a:t>we</a:t>
+            </a:r>
+            <a:r>
+              <a:rPr lang="de-DE" dirty="0"/>
+              <a:t> </a:t>
+            </a:r>
+            <a:r>
+              <a:rPr lang="de-DE" dirty="0" err="1"/>
+              <a:t>build</a:t>
+            </a:r>
+            <a:r>
+              <a:rPr lang="de-DE" dirty="0"/>
+              <a:t> </a:t>
+            </a:r>
+            <a:r>
+              <a:rPr lang="de-DE" dirty="0" err="1"/>
+              <a:t>credibility</a:t>
+            </a:r>
+            <a:r>
+              <a:rPr lang="de-DE" dirty="0"/>
+              <a:t> </a:t>
+            </a:r>
+            <a:r>
+              <a:rPr lang="de-DE" dirty="0" err="1"/>
+              <a:t>intervals</a:t>
+            </a:r>
+            <a:r>
+              <a:rPr lang="de-DE" dirty="0"/>
+              <a:t> and </a:t>
+            </a:r>
+            <a:r>
+              <a:rPr lang="de-DE" dirty="0" err="1"/>
+              <a:t>methods</a:t>
+            </a:r>
+            <a:r>
+              <a:rPr lang="de-DE" dirty="0"/>
+              <a:t> </a:t>
+            </a:r>
+            <a:r>
+              <a:rPr lang="de-DE" dirty="0" err="1"/>
+              <a:t>for</a:t>
+            </a:r>
+            <a:r>
+              <a:rPr lang="de-DE" dirty="0"/>
+              <a:t> </a:t>
+            </a:r>
+            <a:r>
+              <a:rPr lang="de-DE" dirty="0" err="1"/>
+              <a:t>testing</a:t>
+            </a:r>
+            <a:r>
+              <a:rPr lang="de-DE" dirty="0"/>
+              <a:t>.</a:t>
+            </a:r>
+            <a:endParaRPr lang="en-DE" dirty="0"/>
+          </a:p>
+        </p:txBody>
+      </p:sp>
+      <p:sp>
+        <p:nvSpPr>
+          <p:cNvPr id="3" name="Textfeld 2">
+            <a:extLst>
+              <a:ext uri="{FF2B5EF4-FFF2-40B4-BE49-F238E27FC236}">
+                <a16:creationId xmlns:a16="http://schemas.microsoft.com/office/drawing/2014/main" id="{B6763287-FADE-E333-3565-491543327CB2}"/>
+              </a:ext>
+            </a:extLst>
+          </p:cNvPr>
+          <p:cNvSpPr txBox="1"/>
+          <p:nvPr/>
+        </p:nvSpPr>
+        <p:spPr>
+          <a:xfrm>
+            <a:off x="9518072" y="5305492"/>
+            <a:ext cx="1895071" cy="246221"/>
+          </a:xfrm>
+          <a:prstGeom prst="rect">
+            <a:avLst/>
+          </a:prstGeom>
+          <a:noFill/>
+        </p:spPr>
+        <p:txBody>
+          <a:bodyPr wrap="none" rtlCol="0">
+            <a:spAutoFit/>
+          </a:bodyPr>
+          <a:lstStyle/>
+          <a:p>
+            <a:r>
+              <a:rPr lang="de-DE" sz="1000" dirty="0"/>
+              <a:t>All </a:t>
+            </a:r>
+            <a:r>
+              <a:rPr lang="de-DE" sz="1000" dirty="0" err="1"/>
+              <a:t>of</a:t>
+            </a:r>
+            <a:r>
+              <a:rPr lang="de-DE" sz="1000" dirty="0"/>
+              <a:t> </a:t>
+            </a:r>
+            <a:r>
+              <a:rPr lang="de-DE" sz="1000" dirty="0" err="1"/>
+              <a:t>Statistics</a:t>
+            </a:r>
+            <a:r>
+              <a:rPr lang="de-DE" sz="1000" dirty="0"/>
+              <a:t>, </a:t>
+            </a:r>
+            <a:r>
+              <a:rPr lang="de-DE" sz="1000" dirty="0" err="1"/>
+              <a:t>Wasseman</a:t>
+            </a:r>
+            <a:r>
+              <a:rPr lang="de-DE" sz="1000" dirty="0"/>
+              <a:t>, 2004</a:t>
+            </a:r>
+            <a:endParaRPr lang="en-DE" sz="1000" dirty="0"/>
+          </a:p>
+        </p:txBody>
+      </p:sp>
       <p:pic>
         <p:nvPicPr>
-          <p:cNvPr id="6" name="Grafik 5">
-            <a:extLst>
-              <a:ext uri="{FF2B5EF4-FFF2-40B4-BE49-F238E27FC236}">
-                <a16:creationId xmlns:a16="http://schemas.microsoft.com/office/drawing/2014/main" id="{0199B530-74FD-1F90-8468-9578F13D851C}"/>
+          <p:cNvPr id="8" name="Grafik 7">
+            <a:extLst>
+              <a:ext uri="{FF2B5EF4-FFF2-40B4-BE49-F238E27FC236}">
+                <a16:creationId xmlns:a16="http://schemas.microsoft.com/office/drawing/2014/main" id="{95857C68-7294-B187-87FF-A01889BE3F5A}"/>
               </a:ext>
             </a:extLst>
           </p:cNvPr>
@@ -5584,190 +5846,14 @@
         </p:blipFill>
         <p:spPr>
           <a:xfrm>
-            <a:off x="2971799" y="2774497"/>
-            <a:ext cx="6402639" cy="1775732"/>
+            <a:off x="728662" y="2114550"/>
+            <a:ext cx="10734675" cy="2628900"/>
           </a:xfrm>
           <a:prstGeom prst="rect">
             <a:avLst/>
           </a:prstGeom>
         </p:spPr>
       </p:pic>
-      <p:sp>
-        <p:nvSpPr>
-          <p:cNvPr id="7" name="Textfeld 6">
-            <a:extLst>
-              <a:ext uri="{FF2B5EF4-FFF2-40B4-BE49-F238E27FC236}">
-                <a16:creationId xmlns:a16="http://schemas.microsoft.com/office/drawing/2014/main" id="{7D58B874-E407-B5CA-5F40-1EC12E16AE88}"/>
-              </a:ext>
-            </a:extLst>
-          </p:cNvPr>
-          <p:cNvSpPr txBox="1"/>
-          <p:nvPr/>
-        </p:nvSpPr>
-        <p:spPr>
-          <a:xfrm>
-            <a:off x="838200" y="5634038"/>
-            <a:ext cx="7088287" cy="369332"/>
-          </a:xfrm>
-          <a:prstGeom prst="rect">
-            <a:avLst/>
-          </a:prstGeom>
-          <a:noFill/>
-        </p:spPr>
-        <p:txBody>
-          <a:bodyPr wrap="none" rtlCol="0">
-            <a:spAutoFit/>
-          </a:bodyPr>
-          <a:lstStyle/>
-          <a:p>
-            <a:r>
-              <a:rPr lang="de-DE" dirty="0"/>
-              <a:t>Out </a:t>
-            </a:r>
-            <a:r>
-              <a:rPr lang="de-DE" dirty="0" err="1"/>
-              <a:t>of</a:t>
-            </a:r>
-            <a:r>
-              <a:rPr lang="de-DE" dirty="0"/>
-              <a:t> </a:t>
-            </a:r>
-            <a:r>
-              <a:rPr lang="de-DE" dirty="0" err="1"/>
-              <a:t>the</a:t>
-            </a:r>
-            <a:r>
-              <a:rPr lang="de-DE" dirty="0"/>
-              <a:t> </a:t>
-            </a:r>
-            <a:r>
-              <a:rPr lang="de-DE" dirty="0" err="1"/>
-              <a:t>posterior</a:t>
-            </a:r>
-            <a:r>
-              <a:rPr lang="de-DE" dirty="0"/>
-              <a:t>, </a:t>
-            </a:r>
-            <a:r>
-              <a:rPr lang="de-DE" dirty="0" err="1"/>
-              <a:t>we</a:t>
-            </a:r>
-            <a:r>
-              <a:rPr lang="de-DE" dirty="0"/>
-              <a:t> </a:t>
-            </a:r>
-            <a:r>
-              <a:rPr lang="de-DE" dirty="0" err="1"/>
-              <a:t>build</a:t>
-            </a:r>
-            <a:r>
-              <a:rPr lang="de-DE" dirty="0"/>
-              <a:t> </a:t>
-            </a:r>
-            <a:r>
-              <a:rPr lang="de-DE" dirty="0" err="1"/>
-              <a:t>credibility</a:t>
-            </a:r>
-            <a:r>
-              <a:rPr lang="de-DE" dirty="0"/>
-              <a:t> </a:t>
-            </a:r>
-            <a:r>
-              <a:rPr lang="de-DE" dirty="0" err="1"/>
-              <a:t>intervals</a:t>
-            </a:r>
-            <a:r>
-              <a:rPr lang="de-DE" dirty="0"/>
-              <a:t> and </a:t>
-            </a:r>
-            <a:r>
-              <a:rPr lang="de-DE" dirty="0" err="1"/>
-              <a:t>methods</a:t>
-            </a:r>
-            <a:r>
-              <a:rPr lang="de-DE" dirty="0"/>
-              <a:t> </a:t>
-            </a:r>
-            <a:r>
-              <a:rPr lang="de-DE" dirty="0" err="1"/>
-              <a:t>for</a:t>
-            </a:r>
-            <a:r>
-              <a:rPr lang="de-DE" dirty="0"/>
-              <a:t> </a:t>
-            </a:r>
-            <a:r>
-              <a:rPr lang="de-DE" dirty="0" err="1"/>
-              <a:t>testing</a:t>
-            </a:r>
-            <a:r>
-              <a:rPr lang="de-DE" dirty="0"/>
-              <a:t>.</a:t>
-            </a:r>
-            <a:endParaRPr lang="en-DE" dirty="0"/>
-          </a:p>
-        </p:txBody>
-      </p:sp>
-      <p:sp>
-        <p:nvSpPr>
-          <p:cNvPr id="3" name="Textfeld 2">
-            <a:extLst>
-              <a:ext uri="{FF2B5EF4-FFF2-40B4-BE49-F238E27FC236}">
-                <a16:creationId xmlns:a16="http://schemas.microsoft.com/office/drawing/2014/main" id="{B6763287-FADE-E333-3565-491543327CB2}"/>
-              </a:ext>
-            </a:extLst>
-          </p:cNvPr>
-          <p:cNvSpPr txBox="1"/>
-          <p:nvPr/>
-        </p:nvSpPr>
-        <p:spPr>
-          <a:xfrm>
-            <a:off x="9518072" y="5305492"/>
-            <a:ext cx="1895071" cy="246221"/>
-          </a:xfrm>
-          <a:prstGeom prst="rect">
-            <a:avLst/>
-          </a:prstGeom>
-          <a:noFill/>
-        </p:spPr>
-        <p:txBody>
-          <a:bodyPr wrap="none" rtlCol="0">
-            <a:spAutoFit/>
-          </a:bodyPr>
-          <a:lstStyle/>
-          <a:p>
-            <a:r>
-              <a:rPr lang="de-DE" sz="1000" dirty="0"/>
-              <a:t>All </a:t>
-            </a:r>
-            <a:r>
-              <a:rPr lang="de-DE" sz="1000" dirty="0" err="1"/>
-              <a:t>of</a:t>
-            </a:r>
-            <a:r>
-              <a:rPr lang="de-DE" sz="1000" dirty="0"/>
-              <a:t> </a:t>
-            </a:r>
-            <a:r>
-              <a:rPr lang="de-DE" sz="1000" dirty="0" err="1"/>
-              <a:t>Statistics</a:t>
-            </a:r>
-            <a:r>
-              <a:rPr lang="de-DE" sz="1000" dirty="0"/>
-              <a:t>, </a:t>
-            </a:r>
-            <a:r>
-              <a:rPr lang="de-DE" sz="1000" dirty="0" err="1"/>
-              <a:t>Wasseman</a:t>
-            </a:r>
-            <a:r>
-              <a:rPr lang="de-DE" sz="1000" dirty="0"/>
-              <a:t>, 2004</a:t>
-            </a:r>
-            <a:endParaRPr lang="en-DE" sz="1000" dirty="0"/>
-          </a:p>
-        </p:txBody>
-      </p:sp>
     </p:spTree>
     <p:extLst>
       <p:ext uri="{BB962C8B-B14F-4D97-AF65-F5344CB8AC3E}">
@@ -5829,7 +5915,18 @@
             </a:r>
             <a:r>
               <a:rPr lang="de-DE" dirty="0"/>
-              <a:t> Problems</a:t>
+              <a:t> Problems </a:t>
+            </a:r>
+            <a:br>
+              <a:rPr lang="de-DE" dirty="0"/>
+            </a:br>
+            <a:r>
+              <a:rPr lang="de-DE" dirty="0" err="1"/>
+              <a:t>Used</a:t>
+            </a:r>
+            <a:r>
+              <a:rPr lang="de-DE" dirty="0"/>
+              <a:t> in Development</a:t>
             </a:r>
             <a:endParaRPr lang="en-DE" dirty="0"/>
           </a:p>
@@ -5955,7 +6052,18 @@
             </a:r>
             <a:r>
               <a:rPr lang="de-DE" dirty="0"/>
-              <a:t> Problems</a:t>
+              <a:t> Problems </a:t>
+            </a:r>
+            <a:br>
+              <a:rPr lang="de-DE" dirty="0"/>
+            </a:br>
+            <a:r>
+              <a:rPr lang="de-DE" dirty="0" err="1"/>
+              <a:t>Used</a:t>
+            </a:r>
+            <a:r>
+              <a:rPr lang="de-DE" dirty="0"/>
+              <a:t> in Development</a:t>
             </a:r>
             <a:endParaRPr lang="en-DE" dirty="0"/>
           </a:p>
